--- a/documentation/Architecture.pptx
+++ b/documentation/Architecture.pptx
@@ -838,7 +838,7 @@
             <a:fld id="{B61BEF0D-F0BB-DE4B-95CE-6DB70DBA9567}" type="datetimeFigureOut">
               <a:rPr lang="en-US" dirty="0"/>
               <a:pPr/>
-              <a:t>10/18/18</a:t>
+              <a:t>10/19/18</a:t>
             </a:fld>
             <a:endParaRPr lang="en-US" dirty="0"/>
           </a:p>
@@ -1086,7 +1086,7 @@
             <a:fld id="{B61BEF0D-F0BB-DE4B-95CE-6DB70DBA9567}" type="datetimeFigureOut">
               <a:rPr lang="en-US" dirty="0"/>
               <a:pPr/>
-              <a:t>10/18/18</a:t>
+              <a:t>10/19/18</a:t>
             </a:fld>
             <a:endParaRPr lang="en-US" dirty="0"/>
           </a:p>
@@ -1397,7 +1397,7 @@
             <a:fld id="{B61BEF0D-F0BB-DE4B-95CE-6DB70DBA9567}" type="datetimeFigureOut">
               <a:rPr lang="en-US" dirty="0"/>
               <a:pPr/>
-              <a:t>10/18/18</a:t>
+              <a:t>10/19/18</a:t>
             </a:fld>
             <a:endParaRPr lang="en-US" dirty="0"/>
           </a:p>
@@ -1735,7 +1735,7 @@
             <a:fld id="{B61BEF0D-F0BB-DE4B-95CE-6DB70DBA9567}" type="datetimeFigureOut">
               <a:rPr lang="en-US" dirty="0"/>
               <a:pPr/>
-              <a:t>10/18/18</a:t>
+              <a:t>10/19/18</a:t>
             </a:fld>
             <a:endParaRPr lang="en-US" dirty="0"/>
           </a:p>
@@ -2046,7 +2046,7 @@
             <a:fld id="{B61BEF0D-F0BB-DE4B-95CE-6DB70DBA9567}" type="datetimeFigureOut">
               <a:rPr lang="en-US" dirty="0"/>
               <a:pPr/>
-              <a:t>10/18/18</a:t>
+              <a:t>10/19/18</a:t>
             </a:fld>
             <a:endParaRPr lang="en-US" dirty="0"/>
           </a:p>
@@ -2436,7 +2436,7 @@
             <a:fld id="{B61BEF0D-F0BB-DE4B-95CE-6DB70DBA9567}" type="datetimeFigureOut">
               <a:rPr lang="en-US" dirty="0"/>
               <a:pPr/>
-              <a:t>10/18/18</a:t>
+              <a:t>10/19/18</a:t>
             </a:fld>
             <a:endParaRPr lang="en-US" dirty="0"/>
           </a:p>
@@ -2602,7 +2602,7 @@
           <a:p>
             <a:fld id="{55C6B4A9-1611-4792-9094-5F34BCA07E0B}" type="datetimeFigureOut">
               <a:rPr lang="en-US" dirty="0"/>
-              <a:t>10/18/18</a:t>
+              <a:t>10/19/18</a:t>
             </a:fld>
             <a:endParaRPr lang="en-US" dirty="0"/>
           </a:p>
@@ -2778,7 +2778,7 @@
             <a:fld id="{B61BEF0D-F0BB-DE4B-95CE-6DB70DBA9567}" type="datetimeFigureOut">
               <a:rPr lang="en-US" dirty="0"/>
               <a:pPr/>
-              <a:t>10/18/18</a:t>
+              <a:t>10/19/18</a:t>
             </a:fld>
             <a:endParaRPr lang="en-US" dirty="0"/>
           </a:p>
@@ -2951,7 +2951,7 @@
             <a:fld id="{B61BEF0D-F0BB-DE4B-95CE-6DB70DBA9567}" type="datetimeFigureOut">
               <a:rPr lang="en-US" dirty="0"/>
               <a:pPr/>
-              <a:t>10/18/18</a:t>
+              <a:t>10/19/18</a:t>
             </a:fld>
             <a:endParaRPr lang="en-US" dirty="0"/>
           </a:p>
@@ -3195,7 +3195,7 @@
             <a:fld id="{B61BEF0D-F0BB-DE4B-95CE-6DB70DBA9567}" type="datetimeFigureOut">
               <a:rPr lang="en-US" dirty="0"/>
               <a:pPr/>
-              <a:t>10/18/18</a:t>
+              <a:t>10/19/18</a:t>
             </a:fld>
             <a:endParaRPr lang="en-US" dirty="0"/>
           </a:p>
@@ -3423,7 +3423,7 @@
           <a:p>
             <a:fld id="{EB712588-04B1-427B-82EE-E8DB90309F08}" type="datetimeFigureOut">
               <a:rPr lang="en-US" dirty="0"/>
-              <a:t>10/18/18</a:t>
+              <a:t>10/19/18</a:t>
             </a:fld>
             <a:endParaRPr lang="en-US" dirty="0"/>
           </a:p>
@@ -3793,7 +3793,7 @@
             <a:fld id="{B61BEF0D-F0BB-DE4B-95CE-6DB70DBA9567}" type="datetimeFigureOut">
               <a:rPr lang="en-US" dirty="0"/>
               <a:pPr/>
-              <a:t>10/18/18</a:t>
+              <a:t>10/19/18</a:t>
             </a:fld>
             <a:endParaRPr lang="en-US" dirty="0"/>
           </a:p>
@@ -3913,7 +3913,7 @@
             <a:fld id="{B61BEF0D-F0BB-DE4B-95CE-6DB70DBA9567}" type="datetimeFigureOut">
               <a:rPr lang="en-US" dirty="0"/>
               <a:pPr/>
-              <a:t>10/18/18</a:t>
+              <a:t>10/19/18</a:t>
             </a:fld>
             <a:endParaRPr lang="en-US" dirty="0"/>
           </a:p>
@@ -4005,7 +4005,7 @@
             <a:fld id="{B61BEF0D-F0BB-DE4B-95CE-6DB70DBA9567}" type="datetimeFigureOut">
               <a:rPr lang="en-US" dirty="0"/>
               <a:pPr/>
-              <a:t>10/18/18</a:t>
+              <a:t>10/19/18</a:t>
             </a:fld>
             <a:endParaRPr lang="en-US" dirty="0"/>
           </a:p>
@@ -4256,7 +4256,7 @@
           <a:p>
             <a:fld id="{42A54C80-263E-416B-A8E0-580EDEADCBDC}" type="datetimeFigureOut">
               <a:rPr lang="en-US" dirty="0"/>
-              <a:t>10/18/18</a:t>
+              <a:t>10/19/18</a:t>
             </a:fld>
             <a:endParaRPr lang="en-US" dirty="0"/>
           </a:p>
@@ -4515,7 +4515,7 @@
             <a:fld id="{B61BEF0D-F0BB-DE4B-95CE-6DB70DBA9567}" type="datetimeFigureOut">
               <a:rPr lang="en-US" dirty="0"/>
               <a:pPr/>
-              <a:t>10/18/18</a:t>
+              <a:t>10/19/18</a:t>
             </a:fld>
             <a:endParaRPr lang="en-US" dirty="0"/>
           </a:p>
@@ -5255,7 +5255,7 @@
             <a:fld id="{B61BEF0D-F0BB-DE4B-95CE-6DB70DBA9567}" type="datetimeFigureOut">
               <a:rPr lang="en-US" dirty="0"/>
               <a:pPr/>
-              <a:t>10/18/18</a:t>
+              <a:t>10/19/18</a:t>
             </a:fld>
             <a:endParaRPr lang="en-US" dirty="0"/>
           </a:p>
@@ -7507,9 +7507,14 @@
           <a:lstStyle/>
           <a:p>
             <a:r>
-              <a:rPr lang="en-US" dirty="0"/>
-              <a:t>Observer Patten</a:t>
-            </a:r>
+              <a:rPr lang="en-US"/>
+              <a:t>Observer Patte</a:t>
+            </a:r>
+            <a:r>
+              <a:rPr lang="en-US" altLang="zh-CN"/>
+              <a:t>rn</a:t>
+            </a:r>
+            <a:endParaRPr lang="en-US" dirty="0"/>
           </a:p>
         </p:txBody>
       </p:sp>
